--- a/Диск/Лекции/Лекция3.pptx
+++ b/Диск/Лекции/Лекция3.pptx
@@ -15,11 +15,11 @@
     <p:sldId id="290" r:id="rId6"/>
     <p:sldId id="327" r:id="rId7"/>
     <p:sldId id="328" r:id="rId8"/>
-    <p:sldId id="288" r:id="rId9"/>
-    <p:sldId id="289" r:id="rId10"/>
-    <p:sldId id="321" r:id="rId11"/>
-    <p:sldId id="322" r:id="rId12"/>
-    <p:sldId id="323" r:id="rId13"/>
+    <p:sldId id="321" r:id="rId9"/>
+    <p:sldId id="322" r:id="rId10"/>
+    <p:sldId id="323" r:id="rId11"/>
+    <p:sldId id="288" r:id="rId12"/>
+    <p:sldId id="289" r:id="rId13"/>
     <p:sldId id="260" r:id="rId14"/>
     <p:sldId id="261" r:id="rId15"/>
     <p:sldId id="262" r:id="rId16"/>
@@ -224,7 +224,7 @@
           <a:p>
             <a:fld id="{78B9F18C-B0EF-4C3B-831E-15C3CF792C09}" type="datetimeFigureOut">
               <a:rPr lang="ru-RU" smtClean="0"/>
-              <a:t>05.09.2025</a:t>
+              <a:t>29.09.2025</a:t>
             </a:fld>
             <a:endParaRPr lang="ru-RU"/>
           </a:p>
@@ -664,7 +664,7 @@
           <a:p>
             <a:fld id="{42B6E85D-E316-4CED-803A-F5CBBAAA4513}" type="datetime1">
               <a:rPr lang="ru-RU" smtClean="0"/>
-              <a:t>05.09.2025</a:t>
+              <a:t>29.09.2025</a:t>
             </a:fld>
             <a:endParaRPr lang="ru-RU" dirty="0"/>
           </a:p>
@@ -995,7 +995,7 @@
           <a:p>
             <a:fld id="{9E193276-D25B-452D-8379-B0082CC5FC0A}" type="datetime1">
               <a:rPr lang="ru-RU" smtClean="0"/>
-              <a:t>05.09.2025</a:t>
+              <a:t>29.09.2025</a:t>
             </a:fld>
             <a:endParaRPr lang="ru-RU"/>
           </a:p>
@@ -1175,7 +1175,7 @@
           <a:p>
             <a:fld id="{2BB5DFF4-23BF-4CA3-B3FB-0145CC1DB901}" type="datetime1">
               <a:rPr lang="ru-RU" smtClean="0"/>
-              <a:t>05.09.2025</a:t>
+              <a:t>29.09.2025</a:t>
             </a:fld>
             <a:endParaRPr lang="ru-RU"/>
           </a:p>
@@ -1345,7 +1345,7 @@
           <a:p>
             <a:fld id="{86B8808A-F3B5-4594-B53A-1D6754ACC15E}" type="datetime1">
               <a:rPr lang="ru-RU" smtClean="0"/>
-              <a:t>05.09.2025</a:t>
+              <a:t>29.09.2025</a:t>
             </a:fld>
             <a:endParaRPr lang="ru-RU"/>
           </a:p>
@@ -1622,7 +1622,7 @@
           <a:p>
             <a:fld id="{24A2479E-D05A-4DA2-978A-0CE348BB7876}" type="datetime1">
               <a:rPr lang="ru-RU" smtClean="0"/>
-              <a:t>05.09.2025</a:t>
+              <a:t>29.09.2025</a:t>
             </a:fld>
             <a:endParaRPr lang="ru-RU"/>
           </a:p>
@@ -2016,7 +2016,7 @@
           <a:p>
             <a:fld id="{2534E59A-8F23-41DC-949B-EA1054FC034D}" type="datetime1">
               <a:rPr lang="ru-RU" smtClean="0"/>
-              <a:t>05.09.2025</a:t>
+              <a:t>29.09.2025</a:t>
             </a:fld>
             <a:endParaRPr lang="ru-RU"/>
           </a:p>
@@ -2498,7 +2498,7 @@
           <a:p>
             <a:fld id="{47ED5A95-7983-40A7-96A8-BD401F420BE1}" type="datetime1">
               <a:rPr lang="ru-RU" smtClean="0"/>
-              <a:t>05.09.2025</a:t>
+              <a:t>29.09.2025</a:t>
             </a:fld>
             <a:endParaRPr lang="ru-RU"/>
           </a:p>
@@ -2621,7 +2621,7 @@
           <a:p>
             <a:fld id="{A5C15340-CBDC-4CD2-9212-66C4ACEA28B9}" type="datetime1">
               <a:rPr lang="ru-RU" smtClean="0"/>
-              <a:t>05.09.2025</a:t>
+              <a:t>29.09.2025</a:t>
             </a:fld>
             <a:endParaRPr lang="ru-RU"/>
           </a:p>
@@ -2716,7 +2716,7 @@
           <a:p>
             <a:fld id="{DE77310F-5DDA-45EC-BD68-C1975347BD6F}" type="datetime1">
               <a:rPr lang="ru-RU" smtClean="0"/>
-              <a:t>05.09.2025</a:t>
+              <a:t>29.09.2025</a:t>
             </a:fld>
             <a:endParaRPr lang="ru-RU"/>
           </a:p>
@@ -3062,7 +3062,7 @@
           <a:p>
             <a:fld id="{7EBCF4DC-C963-499F-874F-C149FD31AE56}" type="datetime1">
               <a:rPr lang="ru-RU" smtClean="0"/>
-              <a:t>05.09.2025</a:t>
+              <a:t>29.09.2025</a:t>
             </a:fld>
             <a:endParaRPr lang="ru-RU"/>
           </a:p>
@@ -3455,7 +3455,7 @@
           <a:p>
             <a:fld id="{E422B3EE-F04C-44B0-85A4-59386567B635}" type="datetime1">
               <a:rPr lang="ru-RU" smtClean="0"/>
-              <a:t>05.09.2025</a:t>
+              <a:t>29.09.2025</a:t>
             </a:fld>
             <a:endParaRPr lang="ru-RU"/>
           </a:p>
@@ -3734,7 +3734,7 @@
           <a:p>
             <a:fld id="{214ACE19-1060-4D43-8154-F27C1E2D776D}" type="datetime1">
               <a:rPr lang="ru-RU" smtClean="0"/>
-              <a:t>05.09.2025</a:t>
+              <a:t>29.09.2025</a:t>
             </a:fld>
             <a:endParaRPr lang="ru-RU"/>
           </a:p>
@@ -4368,7 +4368,7 @@
           <p:cNvPr id="2" name="Заголовок 1">
             <a:extLst>
               <a:ext uri="{FF2B5EF4-FFF2-40B4-BE49-F238E27FC236}">
-                <a16:creationId xmlns:a16="http://schemas.microsoft.com/office/drawing/2014/main" id="{09F1A106-C465-D8CE-AB32-0F91B5722075}"/>
+                <a16:creationId xmlns:a16="http://schemas.microsoft.com/office/drawing/2014/main" id="{16D217CD-FB71-1CF2-8FE1-B95794D85C65}"/>
               </a:ext>
             </a:extLst>
           </p:cNvPr>
@@ -4381,24 +4381,22 @@
         </p:nvSpPr>
         <p:spPr/>
         <p:txBody>
-          <a:bodyPr>
-            <a:normAutofit fontScale="90000"/>
-          </a:bodyPr>
-          <a:lstStyle/>
-          <a:p>
-            <a:r>
-              <a:rPr lang="ru-RU" dirty="0"/>
-              <a:t>Сбор информации от заинтересованных лиц</a:t>
-            </a:r>
-          </a:p>
-        </p:txBody>
-      </p:sp>
-      <p:sp>
-        <p:nvSpPr>
-          <p:cNvPr id="3" name="Объект 2">
+          <a:bodyPr/>
+          <a:lstStyle/>
+          <a:p>
+            <a:r>
+              <a:rPr lang="ru-RU" dirty="0"/>
+              <a:t>Интервью</a:t>
+            </a:r>
+          </a:p>
+        </p:txBody>
+      </p:sp>
+      <p:sp>
+        <p:nvSpPr>
+          <p:cNvPr id="3" name="Текст 2">
             <a:extLst>
               <a:ext uri="{FF2B5EF4-FFF2-40B4-BE49-F238E27FC236}">
-                <a16:creationId xmlns:a16="http://schemas.microsoft.com/office/drawing/2014/main" id="{EC090143-5E08-9D18-40BC-053B85B615D7}"/>
+                <a16:creationId xmlns:a16="http://schemas.microsoft.com/office/drawing/2014/main" id="{55A7501E-0091-4763-99DF-C4A565486AD2}"/>
               </a:ext>
             </a:extLst>
           </p:cNvPr>
@@ -4406,57 +4404,149 @@
             <a:spLocks noGrp="1"/>
           </p:cNvSpPr>
           <p:nvPr>
-            <p:ph idx="1"/>
-          </p:nvPr>
-        </p:nvSpPr>
-        <p:spPr/>
-        <p:txBody>
-          <a:bodyPr>
-            <a:normAutofit/>
-          </a:bodyPr>
-          <a:lstStyle/>
-          <a:p>
-            <a:r>
-              <a:rPr lang="ru-RU" sz="2400" b="1" dirty="0"/>
-              <a:t>Сбор требований </a:t>
-            </a:r>
-            <a:r>
-              <a:rPr lang="ru-RU" sz="2400" dirty="0"/>
-              <a:t>— это один из самых важных этапов процесса создания любой информационной системы, будь то десктопное, веб или мобильное приложение или же просто доработка уже существующего решения. Прежде, чем начать собирать требования, необходимо выявить всех заинтересованных лиц (стейкхолдеров), которые будут пользоваться системой. </a:t>
-            </a:r>
-          </a:p>
-          <a:p>
-            <a:r>
-              <a:rPr lang="ru-RU" sz="2400" dirty="0"/>
-              <a:t>Следом собирается информация о потребностях заинтересованных лиц.</a:t>
-            </a:r>
-          </a:p>
-          <a:p>
-            <a:r>
-              <a:rPr lang="ru-RU" sz="2400" dirty="0"/>
-              <a:t>Основные способы сбора информации: </a:t>
-            </a:r>
-            <a:r>
-              <a:rPr lang="ru-RU" sz="2400" b="1" dirty="0"/>
-              <a:t>анкетирование </a:t>
-            </a:r>
-            <a:r>
-              <a:rPr lang="ru-RU" sz="2400" dirty="0"/>
-              <a:t>и </a:t>
-            </a:r>
-            <a:r>
-              <a:rPr lang="ru-RU" sz="2400" b="1" dirty="0"/>
-              <a:t>интервью</a:t>
-            </a:r>
-          </a:p>
-        </p:txBody>
-      </p:sp>
-      <p:sp>
-        <p:nvSpPr>
-          <p:cNvPr id="4" name="Номер слайда 3">
+            <p:ph type="body" idx="1"/>
+          </p:nvPr>
+        </p:nvSpPr>
+        <p:spPr/>
+        <p:txBody>
+          <a:bodyPr/>
+          <a:lstStyle/>
+          <a:p>
+            <a:r>
+              <a:rPr lang="ru-RU" dirty="0"/>
+              <a:t>Плюсы</a:t>
+            </a:r>
+          </a:p>
+        </p:txBody>
+      </p:sp>
+      <p:sp>
+        <p:nvSpPr>
+          <p:cNvPr id="4" name="Объект 3">
             <a:extLst>
               <a:ext uri="{FF2B5EF4-FFF2-40B4-BE49-F238E27FC236}">
-                <a16:creationId xmlns:a16="http://schemas.microsoft.com/office/drawing/2014/main" id="{F36415B6-84AF-E0BA-DC45-885DEB3D9698}"/>
+                <a16:creationId xmlns:a16="http://schemas.microsoft.com/office/drawing/2014/main" id="{5AA581EC-1975-D9DD-EBA0-F3EA910CAB9B}"/>
+              </a:ext>
+            </a:extLst>
+          </p:cNvPr>
+          <p:cNvSpPr>
+            <a:spLocks noGrp="1"/>
+          </p:cNvSpPr>
+          <p:nvPr>
+            <p:ph sz="half" idx="2"/>
+          </p:nvPr>
+        </p:nvSpPr>
+        <p:spPr/>
+        <p:txBody>
+          <a:bodyPr/>
+          <a:lstStyle/>
+          <a:p>
+            <a:pPr marL="342900" indent="-342900">
+              <a:buFont typeface="Wingdings" panose="05000000000000000000" pitchFamily="2" charset="2"/>
+              <a:buChar char="v"/>
+            </a:pPr>
+            <a:r>
+              <a:rPr lang="ru-RU" dirty="0"/>
+              <a:t>Возможность задавать вопросы в произвольной последовательности.</a:t>
+            </a:r>
+          </a:p>
+          <a:p>
+            <a:pPr marL="342900" indent="-342900">
+              <a:buFont typeface="Wingdings" panose="05000000000000000000" pitchFamily="2" charset="2"/>
+              <a:buChar char="v"/>
+            </a:pPr>
+            <a:r>
+              <a:rPr lang="ru-RU" dirty="0"/>
+              <a:t>Возможность использовать вспомогательный материал.</a:t>
+            </a:r>
+          </a:p>
+          <a:p>
+            <a:pPr marL="342900" indent="-342900">
+              <a:buFont typeface="Wingdings" panose="05000000000000000000" pitchFamily="2" charset="2"/>
+              <a:buChar char="v"/>
+            </a:pPr>
+            <a:r>
+              <a:rPr lang="ru-RU" dirty="0"/>
+              <a:t>Анализ невербальной реакции опрашиваемого человека, позволит сделать дополнительный вывод о достоверности его ответов.</a:t>
+            </a:r>
+          </a:p>
+        </p:txBody>
+      </p:sp>
+      <p:sp>
+        <p:nvSpPr>
+          <p:cNvPr id="5" name="Текст 4">
+            <a:extLst>
+              <a:ext uri="{FF2B5EF4-FFF2-40B4-BE49-F238E27FC236}">
+                <a16:creationId xmlns:a16="http://schemas.microsoft.com/office/drawing/2014/main" id="{B05FA9E6-8D1C-0536-6D50-514D4F55F693}"/>
+              </a:ext>
+            </a:extLst>
+          </p:cNvPr>
+          <p:cNvSpPr>
+            <a:spLocks noGrp="1"/>
+          </p:cNvSpPr>
+          <p:nvPr>
+            <p:ph type="body" sz="quarter" idx="3"/>
+          </p:nvPr>
+        </p:nvSpPr>
+        <p:spPr/>
+        <p:txBody>
+          <a:bodyPr/>
+          <a:lstStyle/>
+          <a:p>
+            <a:r>
+              <a:rPr lang="ru-RU" dirty="0"/>
+              <a:t>Минусы</a:t>
+            </a:r>
+          </a:p>
+        </p:txBody>
+      </p:sp>
+      <p:sp>
+        <p:nvSpPr>
+          <p:cNvPr id="6" name="Объект 5">
+            <a:extLst>
+              <a:ext uri="{FF2B5EF4-FFF2-40B4-BE49-F238E27FC236}">
+                <a16:creationId xmlns:a16="http://schemas.microsoft.com/office/drawing/2014/main" id="{40A16B7A-1F34-7471-8D2B-709E588448C3}"/>
+              </a:ext>
+            </a:extLst>
+          </p:cNvPr>
+          <p:cNvSpPr>
+            <a:spLocks noGrp="1"/>
+          </p:cNvSpPr>
+          <p:nvPr>
+            <p:ph sz="quarter" idx="4"/>
+          </p:nvPr>
+        </p:nvSpPr>
+        <p:spPr/>
+        <p:txBody>
+          <a:bodyPr/>
+          <a:lstStyle/>
+          <a:p>
+            <a:pPr marL="342900" indent="-342900">
+              <a:buFont typeface="Wingdings" panose="05000000000000000000" pitchFamily="2" charset="2"/>
+              <a:buChar char="v"/>
+            </a:pPr>
+            <a:r>
+              <a:rPr lang="ru-RU" dirty="0"/>
+              <a:t>Интервью отнимает достаточно много времени и сил.</a:t>
+            </a:r>
+          </a:p>
+          <a:p>
+            <a:pPr marL="342900" indent="-342900">
+              <a:buFont typeface="Wingdings" panose="05000000000000000000" pitchFamily="2" charset="2"/>
+              <a:buChar char="v"/>
+            </a:pPr>
+            <a:r>
+              <a:rPr lang="ru-RU" dirty="0"/>
+              <a:t>Дополнительной сложностью является получение одинаковых ответов от интервьюируемых.</a:t>
+            </a:r>
+          </a:p>
+        </p:txBody>
+      </p:sp>
+      <p:sp>
+        <p:nvSpPr>
+          <p:cNvPr id="7" name="Номер слайда 6">
+            <a:extLst>
+              <a:ext uri="{FF2B5EF4-FFF2-40B4-BE49-F238E27FC236}">
+                <a16:creationId xmlns:a16="http://schemas.microsoft.com/office/drawing/2014/main" id="{2F7328B4-7521-8C21-78E3-425478D24A54}"/>
               </a:ext>
             </a:extLst>
           </p:cNvPr>
@@ -4483,7 +4573,7 @@
     </p:spTree>
     <p:extLst>
       <p:ext uri="{BB962C8B-B14F-4D97-AF65-F5344CB8AC3E}">
-        <p14:creationId xmlns:p14="http://schemas.microsoft.com/office/powerpoint/2010/main" val="432158552"/>
+        <p14:creationId xmlns:p14="http://schemas.microsoft.com/office/powerpoint/2010/main" val="1670955525"/>
       </p:ext>
     </p:extLst>
   </p:cSld>
@@ -4512,13 +4602,7 @@
       </p:grpSpPr>
       <p:sp>
         <p:nvSpPr>
-          <p:cNvPr id="2" name="Заголовок 1">
-            <a:extLst>
-              <a:ext uri="{FF2B5EF4-FFF2-40B4-BE49-F238E27FC236}">
-                <a16:creationId xmlns:a16="http://schemas.microsoft.com/office/drawing/2014/main" id="{CDE614F5-B8EC-6428-9A1A-7E4645E8D4DC}"/>
-              </a:ext>
-            </a:extLst>
-          </p:cNvPr>
+          <p:cNvPr id="2" name="Заголовок 1"/>
           <p:cNvSpPr>
             <a:spLocks noGrp="1"/>
           </p:cNvSpPr>
@@ -4533,159 +4617,41 @@
           <a:p>
             <a:r>
               <a:rPr lang="ru-RU" dirty="0"/>
-              <a:t>Анкетирование</a:t>
-            </a:r>
-          </a:p>
-        </p:txBody>
-      </p:sp>
-      <p:sp>
-        <p:nvSpPr>
-          <p:cNvPr id="5" name="Текст 4">
-            <a:extLst>
-              <a:ext uri="{FF2B5EF4-FFF2-40B4-BE49-F238E27FC236}">
-                <a16:creationId xmlns:a16="http://schemas.microsoft.com/office/drawing/2014/main" id="{23DE597A-6EEE-01D1-06CD-F56F8461BFD7}"/>
-              </a:ext>
-            </a:extLst>
-          </p:cNvPr>
-          <p:cNvSpPr>
-            <a:spLocks noGrp="1"/>
-          </p:cNvSpPr>
-          <p:nvPr>
-            <p:ph type="body" idx="1"/>
-          </p:nvPr>
-        </p:nvSpPr>
-        <p:spPr/>
-        <p:txBody>
-          <a:bodyPr/>
-          <a:lstStyle/>
-          <a:p>
-            <a:r>
-              <a:rPr lang="ru-RU" dirty="0"/>
-              <a:t>Плюсы</a:t>
-            </a:r>
-          </a:p>
-        </p:txBody>
-      </p:sp>
-      <p:sp>
-        <p:nvSpPr>
-          <p:cNvPr id="6" name="Объект 5">
-            <a:extLst>
-              <a:ext uri="{FF2B5EF4-FFF2-40B4-BE49-F238E27FC236}">
-                <a16:creationId xmlns:a16="http://schemas.microsoft.com/office/drawing/2014/main" id="{7A0F417F-3083-FE9C-ED90-CB417214EFF8}"/>
-              </a:ext>
-            </a:extLst>
-          </p:cNvPr>
-          <p:cNvSpPr>
-            <a:spLocks noGrp="1"/>
-          </p:cNvSpPr>
-          <p:nvPr>
-            <p:ph sz="half" idx="2"/>
-          </p:nvPr>
-        </p:nvSpPr>
-        <p:spPr/>
+              <a:t>Потребности</a:t>
+            </a:r>
+          </a:p>
+        </p:txBody>
+      </p:sp>
+      <p:sp>
+        <p:nvSpPr>
+          <p:cNvPr id="3" name="Объект 2"/>
+          <p:cNvSpPr>
+            <a:spLocks noGrp="1"/>
+          </p:cNvSpPr>
+          <p:nvPr>
+            <p:ph idx="1"/>
+          </p:nvPr>
+        </p:nvSpPr>
+        <p:spPr>
+          <a:xfrm>
+            <a:off x="1371600" y="1219201"/>
+            <a:ext cx="9601200" cy="5181600"/>
+          </a:xfrm>
+        </p:spPr>
         <p:txBody>
           <a:bodyPr>
             <a:normAutofit/>
           </a:bodyPr>
           <a:lstStyle/>
           <a:p>
-            <a:pPr marL="342900" indent="-342900">
-              <a:buFont typeface="Wingdings" panose="05000000000000000000" pitchFamily="2" charset="2"/>
-              <a:buChar char="v"/>
-            </a:pPr>
+            <a:r>
+              <a:rPr lang="ru-RU" sz="2400" b="1" dirty="0"/>
+              <a:t>Потребности</a:t>
+            </a:r>
             <a:r>
               <a:rPr lang="ru-RU" sz="2400" dirty="0"/>
-              <a:t>Высокая скорость получения результатов.</a:t>
-            </a:r>
-          </a:p>
-          <a:p>
-            <a:pPr marL="342900" indent="-342900">
-              <a:buFont typeface="Wingdings" panose="05000000000000000000" pitchFamily="2" charset="2"/>
-              <a:buChar char="v"/>
-            </a:pPr>
-            <a:r>
-              <a:rPr lang="ru-RU" sz="2400" dirty="0"/>
-              <a:t>Сравнительно небольшие материальные затраты.</a:t>
-            </a:r>
-          </a:p>
-        </p:txBody>
-      </p:sp>
-      <p:sp>
-        <p:nvSpPr>
-          <p:cNvPr id="7" name="Текст 6">
-            <a:extLst>
-              <a:ext uri="{FF2B5EF4-FFF2-40B4-BE49-F238E27FC236}">
-                <a16:creationId xmlns:a16="http://schemas.microsoft.com/office/drawing/2014/main" id="{8CC42094-DD3E-BF78-D5EA-0D8136CE75E7}"/>
-              </a:ext>
-            </a:extLst>
-          </p:cNvPr>
-          <p:cNvSpPr>
-            <a:spLocks noGrp="1"/>
-          </p:cNvSpPr>
-          <p:nvPr>
-            <p:ph type="body" sz="quarter" idx="3"/>
-          </p:nvPr>
-        </p:nvSpPr>
-        <p:spPr/>
-        <p:txBody>
-          <a:bodyPr/>
-          <a:lstStyle/>
-          <a:p>
-            <a:r>
-              <a:rPr lang="ru-RU" dirty="0"/>
-              <a:t>Минусы</a:t>
-            </a:r>
-          </a:p>
-        </p:txBody>
-      </p:sp>
-      <p:sp>
-        <p:nvSpPr>
-          <p:cNvPr id="8" name="Объект 7">
-            <a:extLst>
-              <a:ext uri="{FF2B5EF4-FFF2-40B4-BE49-F238E27FC236}">
-                <a16:creationId xmlns:a16="http://schemas.microsoft.com/office/drawing/2014/main" id="{8F840ECD-5D81-2EF8-1DB2-B78ADECDD25A}"/>
-              </a:ext>
-            </a:extLst>
-          </p:cNvPr>
-          <p:cNvSpPr>
-            <a:spLocks noGrp="1"/>
-          </p:cNvSpPr>
-          <p:nvPr>
-            <p:ph sz="quarter" idx="4"/>
-          </p:nvPr>
-        </p:nvSpPr>
-        <p:spPr/>
-        <p:txBody>
-          <a:bodyPr>
-            <a:normAutofit/>
-          </a:bodyPr>
-          <a:lstStyle/>
-          <a:p>
-            <a:pPr marL="342900" indent="-342900">
-              <a:buFont typeface="Wingdings" panose="05000000000000000000" pitchFamily="2" charset="2"/>
-              <a:buChar char="v"/>
-            </a:pPr>
-            <a:r>
-              <a:rPr lang="ru-RU" sz="2400" dirty="0"/>
-              <a:t>Данный метод не подходит для выявления неявных требований.</a:t>
-            </a:r>
-          </a:p>
-          <a:p>
-            <a:pPr marL="342900" indent="-342900">
-              <a:buFont typeface="Wingdings" panose="05000000000000000000" pitchFamily="2" charset="2"/>
-              <a:buChar char="v"/>
-            </a:pPr>
-            <a:r>
-              <a:rPr lang="ru-RU" sz="2400" dirty="0"/>
-              <a:t>При составлении опросника физически невозможно учесть все необходимые вопросы.</a:t>
-            </a:r>
-          </a:p>
-          <a:p>
-            <a:pPr marL="342900" indent="-342900">
-              <a:buFont typeface="Wingdings" panose="05000000000000000000" pitchFamily="2" charset="2"/>
-              <a:buChar char="v"/>
-            </a:pPr>
-            <a:endParaRPr lang="ru-RU" sz="2400" dirty="0"/>
+              <a:t> определяются на основе наиболее актуальных проблем и задач, которые пользователи и заказчики видят перед собой. При этом требуется аккуратное выявление значимых проблем, определение того, насколько хорошо они решаются при текущем положении дел, и расстановка приоритетов при рассмотрении недостаточно хорошо решаемых, поскольку чаще всего решить сразу все проблемы невозможно.</a:t>
+            </a:r>
           </a:p>
         </p:txBody>
       </p:sp>
@@ -4694,7 +4660,7 @@
           <p:cNvPr id="4" name="Номер слайда 3">
             <a:extLst>
               <a:ext uri="{FF2B5EF4-FFF2-40B4-BE49-F238E27FC236}">
-                <a16:creationId xmlns:a16="http://schemas.microsoft.com/office/drawing/2014/main" id="{6610B05F-0A8F-8EC1-5CE0-8FDDBEB410FD}"/>
+                <a16:creationId xmlns:a16="http://schemas.microsoft.com/office/drawing/2014/main" id="{DE734F14-EDA0-40EC-FCFD-0449047373E3}"/>
               </a:ext>
             </a:extLst>
           </p:cNvPr>
@@ -4721,7 +4687,7 @@
     </p:spTree>
     <p:extLst>
       <p:ext uri="{BB962C8B-B14F-4D97-AF65-F5344CB8AC3E}">
-        <p14:creationId xmlns:p14="http://schemas.microsoft.com/office/powerpoint/2010/main" val="1369358526"/>
+        <p14:creationId xmlns:p14="http://schemas.microsoft.com/office/powerpoint/2010/main" val="1636124141"/>
       </p:ext>
     </p:extLst>
   </p:cSld>
@@ -4750,188 +4716,103 @@
       </p:grpSpPr>
       <p:sp>
         <p:nvSpPr>
-          <p:cNvPr id="2" name="Заголовок 1">
+          <p:cNvPr id="2" name="Заголовок 1"/>
+          <p:cNvSpPr>
+            <a:spLocks noGrp="1"/>
+          </p:cNvSpPr>
+          <p:nvPr>
+            <p:ph type="title"/>
+          </p:nvPr>
+        </p:nvSpPr>
+        <p:spPr/>
+        <p:txBody>
+          <a:bodyPr/>
+          <a:lstStyle/>
+          <a:p>
+            <a:r>
+              <a:rPr lang="ru-RU" dirty="0"/>
+              <a:t>Формулировка потребностей</a:t>
+            </a:r>
+          </a:p>
+        </p:txBody>
+      </p:sp>
+      <p:sp>
+        <p:nvSpPr>
+          <p:cNvPr id="3" name="Объект 2"/>
+          <p:cNvSpPr>
+            <a:spLocks noGrp="1"/>
+          </p:cNvSpPr>
+          <p:nvPr>
+            <p:ph idx="1"/>
+          </p:nvPr>
+        </p:nvSpPr>
+        <p:spPr>
+          <a:xfrm>
+            <a:off x="1371600" y="1506583"/>
+            <a:ext cx="9601200" cy="5179967"/>
+          </a:xfrm>
+        </p:spPr>
+        <p:txBody>
+          <a:bodyPr>
+            <a:normAutofit lnSpcReduction="10000"/>
+          </a:bodyPr>
+          <a:lstStyle/>
+          <a:p>
+            <a:r>
+              <a:rPr lang="ru-RU" sz="2400" dirty="0"/>
+              <a:t>Формулировка потребностей может быть разбита на следующие этапы:</a:t>
+            </a:r>
+          </a:p>
+          <a:p>
+            <a:pPr marL="457200" indent="-457200">
+              <a:buFont typeface="+mj-lt"/>
+              <a:buAutoNum type="arabicPeriod"/>
+            </a:pPr>
+            <a:r>
+              <a:rPr lang="ru-RU" sz="2400" dirty="0"/>
+              <a:t>Выделить одну-две-три основных проблемы.</a:t>
+            </a:r>
+          </a:p>
+          <a:p>
+            <a:pPr marL="457200" indent="-457200">
+              <a:buFont typeface="+mj-lt"/>
+              <a:buAutoNum type="arabicPeriod"/>
+            </a:pPr>
+            <a:r>
+              <a:rPr lang="ru-RU" sz="2400" dirty="0"/>
+              <a:t>Определить причины возникновения проблем, оценить степень их влияния и выделить наиболее существенные из проблем, влекущие появление остальных.</a:t>
+            </a:r>
+          </a:p>
+          <a:p>
+            <a:pPr marL="457200" indent="-457200">
+              <a:buFont typeface="+mj-lt"/>
+              <a:buAutoNum type="arabicPeriod"/>
+            </a:pPr>
+            <a:r>
+              <a:rPr lang="ru-RU" sz="2400" dirty="0"/>
+              <a:t>Определить ограничения на возможные решения.</a:t>
+            </a:r>
+          </a:p>
+          <a:p>
+            <a:r>
+              <a:rPr lang="ru-RU" sz="2400" dirty="0"/>
+              <a:t>Формулировка потребностей не должна накладывать лишних ограничений на возможные решения, удовлетворяющие им. Нужно попытаться сформулировать, что именно является проблемой, а не предлагать сразу возможные решения.</a:t>
+            </a:r>
+          </a:p>
+          <a:p>
+            <a:r>
+              <a:rPr lang="ru-RU" sz="2400" b="1" dirty="0"/>
+              <a:t>Из потребностей путем формализации получаются требования.</a:t>
+            </a:r>
+          </a:p>
+        </p:txBody>
+      </p:sp>
+      <p:sp>
+        <p:nvSpPr>
+          <p:cNvPr id="4" name="Номер слайда 3">
             <a:extLst>
               <a:ext uri="{FF2B5EF4-FFF2-40B4-BE49-F238E27FC236}">
-                <a16:creationId xmlns:a16="http://schemas.microsoft.com/office/drawing/2014/main" id="{16D217CD-FB71-1CF2-8FE1-B95794D85C65}"/>
-              </a:ext>
-            </a:extLst>
-          </p:cNvPr>
-          <p:cNvSpPr>
-            <a:spLocks noGrp="1"/>
-          </p:cNvSpPr>
-          <p:nvPr>
-            <p:ph type="title"/>
-          </p:nvPr>
-        </p:nvSpPr>
-        <p:spPr/>
-        <p:txBody>
-          <a:bodyPr/>
-          <a:lstStyle/>
-          <a:p>
-            <a:r>
-              <a:rPr lang="ru-RU" dirty="0"/>
-              <a:t>Интервью</a:t>
-            </a:r>
-          </a:p>
-        </p:txBody>
-      </p:sp>
-      <p:sp>
-        <p:nvSpPr>
-          <p:cNvPr id="3" name="Текст 2">
-            <a:extLst>
-              <a:ext uri="{FF2B5EF4-FFF2-40B4-BE49-F238E27FC236}">
-                <a16:creationId xmlns:a16="http://schemas.microsoft.com/office/drawing/2014/main" id="{55A7501E-0091-4763-99DF-C4A565486AD2}"/>
-              </a:ext>
-            </a:extLst>
-          </p:cNvPr>
-          <p:cNvSpPr>
-            <a:spLocks noGrp="1"/>
-          </p:cNvSpPr>
-          <p:nvPr>
-            <p:ph type="body" idx="1"/>
-          </p:nvPr>
-        </p:nvSpPr>
-        <p:spPr/>
-        <p:txBody>
-          <a:bodyPr/>
-          <a:lstStyle/>
-          <a:p>
-            <a:r>
-              <a:rPr lang="ru-RU" dirty="0"/>
-              <a:t>Плюсы</a:t>
-            </a:r>
-          </a:p>
-        </p:txBody>
-      </p:sp>
-      <p:sp>
-        <p:nvSpPr>
-          <p:cNvPr id="4" name="Объект 3">
-            <a:extLst>
-              <a:ext uri="{FF2B5EF4-FFF2-40B4-BE49-F238E27FC236}">
-                <a16:creationId xmlns:a16="http://schemas.microsoft.com/office/drawing/2014/main" id="{5AA581EC-1975-D9DD-EBA0-F3EA910CAB9B}"/>
-              </a:ext>
-            </a:extLst>
-          </p:cNvPr>
-          <p:cNvSpPr>
-            <a:spLocks noGrp="1"/>
-          </p:cNvSpPr>
-          <p:nvPr>
-            <p:ph sz="half" idx="2"/>
-          </p:nvPr>
-        </p:nvSpPr>
-        <p:spPr/>
-        <p:txBody>
-          <a:bodyPr/>
-          <a:lstStyle/>
-          <a:p>
-            <a:pPr marL="342900" indent="-342900">
-              <a:buFont typeface="Wingdings" panose="05000000000000000000" pitchFamily="2" charset="2"/>
-              <a:buChar char="v"/>
-            </a:pPr>
-            <a:r>
-              <a:rPr lang="ru-RU" dirty="0"/>
-              <a:t>Возможность задавать вопросы в произвольной последовательности.</a:t>
-            </a:r>
-          </a:p>
-          <a:p>
-            <a:pPr marL="342900" indent="-342900">
-              <a:buFont typeface="Wingdings" panose="05000000000000000000" pitchFamily="2" charset="2"/>
-              <a:buChar char="v"/>
-            </a:pPr>
-            <a:r>
-              <a:rPr lang="ru-RU" dirty="0"/>
-              <a:t>Возможность использовать вспомогательный материал.</a:t>
-            </a:r>
-          </a:p>
-          <a:p>
-            <a:pPr marL="342900" indent="-342900">
-              <a:buFont typeface="Wingdings" panose="05000000000000000000" pitchFamily="2" charset="2"/>
-              <a:buChar char="v"/>
-            </a:pPr>
-            <a:r>
-              <a:rPr lang="ru-RU" dirty="0"/>
-              <a:t>Анализ невербальной реакции опрашиваемого человека, позволит сделать дополнительный вывод о достоверности его ответов.</a:t>
-            </a:r>
-          </a:p>
-        </p:txBody>
-      </p:sp>
-      <p:sp>
-        <p:nvSpPr>
-          <p:cNvPr id="5" name="Текст 4">
-            <a:extLst>
-              <a:ext uri="{FF2B5EF4-FFF2-40B4-BE49-F238E27FC236}">
-                <a16:creationId xmlns:a16="http://schemas.microsoft.com/office/drawing/2014/main" id="{B05FA9E6-8D1C-0536-6D50-514D4F55F693}"/>
-              </a:ext>
-            </a:extLst>
-          </p:cNvPr>
-          <p:cNvSpPr>
-            <a:spLocks noGrp="1"/>
-          </p:cNvSpPr>
-          <p:nvPr>
-            <p:ph type="body" sz="quarter" idx="3"/>
-          </p:nvPr>
-        </p:nvSpPr>
-        <p:spPr/>
-        <p:txBody>
-          <a:bodyPr/>
-          <a:lstStyle/>
-          <a:p>
-            <a:r>
-              <a:rPr lang="ru-RU" dirty="0"/>
-              <a:t>Минусы</a:t>
-            </a:r>
-          </a:p>
-        </p:txBody>
-      </p:sp>
-      <p:sp>
-        <p:nvSpPr>
-          <p:cNvPr id="6" name="Объект 5">
-            <a:extLst>
-              <a:ext uri="{FF2B5EF4-FFF2-40B4-BE49-F238E27FC236}">
-                <a16:creationId xmlns:a16="http://schemas.microsoft.com/office/drawing/2014/main" id="{40A16B7A-1F34-7471-8D2B-709E588448C3}"/>
-              </a:ext>
-            </a:extLst>
-          </p:cNvPr>
-          <p:cNvSpPr>
-            <a:spLocks noGrp="1"/>
-          </p:cNvSpPr>
-          <p:nvPr>
-            <p:ph sz="quarter" idx="4"/>
-          </p:nvPr>
-        </p:nvSpPr>
-        <p:spPr/>
-        <p:txBody>
-          <a:bodyPr/>
-          <a:lstStyle/>
-          <a:p>
-            <a:pPr marL="342900" indent="-342900">
-              <a:buFont typeface="Wingdings" panose="05000000000000000000" pitchFamily="2" charset="2"/>
-              <a:buChar char="v"/>
-            </a:pPr>
-            <a:r>
-              <a:rPr lang="ru-RU" dirty="0"/>
-              <a:t>Интервью отнимает достаточно много времени и сил.</a:t>
-            </a:r>
-          </a:p>
-          <a:p>
-            <a:pPr marL="342900" indent="-342900">
-              <a:buFont typeface="Wingdings" panose="05000000000000000000" pitchFamily="2" charset="2"/>
-              <a:buChar char="v"/>
-            </a:pPr>
-            <a:r>
-              <a:rPr lang="ru-RU" dirty="0"/>
-              <a:t>Дополнительной сложностью является получение одинаковых ответов от интервьюируемых.</a:t>
-            </a:r>
-          </a:p>
-        </p:txBody>
-      </p:sp>
-      <p:sp>
-        <p:nvSpPr>
-          <p:cNvPr id="7" name="Номер слайда 6">
-            <a:extLst>
-              <a:ext uri="{FF2B5EF4-FFF2-40B4-BE49-F238E27FC236}">
-                <a16:creationId xmlns:a16="http://schemas.microsoft.com/office/drawing/2014/main" id="{2F7328B4-7521-8C21-78E3-425478D24A54}"/>
+                <a16:creationId xmlns:a16="http://schemas.microsoft.com/office/drawing/2014/main" id="{BF22601E-B4DE-10F7-C602-BCC098A23869}"/>
               </a:ext>
             </a:extLst>
           </p:cNvPr>
@@ -4958,7 +4839,7 @@
     </p:spTree>
     <p:extLst>
       <p:ext uri="{BB962C8B-B14F-4D97-AF65-F5344CB8AC3E}">
-        <p14:creationId xmlns:p14="http://schemas.microsoft.com/office/powerpoint/2010/main" val="1670955525"/>
+        <p14:creationId xmlns:p14="http://schemas.microsoft.com/office/powerpoint/2010/main" val="2699648141"/>
       </p:ext>
     </p:extLst>
   </p:cSld>
@@ -8376,7 +8257,13 @@
       </p:grpSpPr>
       <p:sp>
         <p:nvSpPr>
-          <p:cNvPr id="2" name="Заголовок 1"/>
+          <p:cNvPr id="2" name="Заголовок 1">
+            <a:extLst>
+              <a:ext uri="{FF2B5EF4-FFF2-40B4-BE49-F238E27FC236}">
+                <a16:creationId xmlns:a16="http://schemas.microsoft.com/office/drawing/2014/main" id="{09F1A106-C465-D8CE-AB32-0F91B5722075}"/>
+              </a:ext>
+            </a:extLst>
+          </p:cNvPr>
           <p:cNvSpPr>
             <a:spLocks noGrp="1"/>
           </p:cNvSpPr>
@@ -8386,19 +8273,27 @@
         </p:nvSpPr>
         <p:spPr/>
         <p:txBody>
-          <a:bodyPr/>
-          <a:lstStyle/>
-          <a:p>
-            <a:r>
-              <a:rPr lang="ru-RU" dirty="0"/>
-              <a:t>Потребности</a:t>
-            </a:r>
-          </a:p>
-        </p:txBody>
-      </p:sp>
-      <p:sp>
-        <p:nvSpPr>
-          <p:cNvPr id="3" name="Объект 2"/>
+          <a:bodyPr>
+            <a:normAutofit fontScale="90000"/>
+          </a:bodyPr>
+          <a:lstStyle/>
+          <a:p>
+            <a:r>
+              <a:rPr lang="ru-RU" dirty="0"/>
+              <a:t>Сбор информации от заинтересованных лиц</a:t>
+            </a:r>
+          </a:p>
+        </p:txBody>
+      </p:sp>
+      <p:sp>
+        <p:nvSpPr>
+          <p:cNvPr id="3" name="Объект 2">
+            <a:extLst>
+              <a:ext uri="{FF2B5EF4-FFF2-40B4-BE49-F238E27FC236}">
+                <a16:creationId xmlns:a16="http://schemas.microsoft.com/office/drawing/2014/main" id="{EC090143-5E08-9D18-40BC-053B85B615D7}"/>
+              </a:ext>
+            </a:extLst>
+          </p:cNvPr>
           <p:cNvSpPr>
             <a:spLocks noGrp="1"/>
           </p:cNvSpPr>
@@ -8406,12 +8301,7 @@
             <p:ph idx="1"/>
           </p:nvPr>
         </p:nvSpPr>
-        <p:spPr>
-          <a:xfrm>
-            <a:off x="1371600" y="1219201"/>
-            <a:ext cx="9601200" cy="5181600"/>
-          </a:xfrm>
-        </p:spPr>
+        <p:spPr/>
         <p:txBody>
           <a:bodyPr>
             <a:normAutofit/>
@@ -8420,11 +8310,35 @@
           <a:p>
             <a:r>
               <a:rPr lang="ru-RU" sz="2400" b="1" dirty="0"/>
-              <a:t>Потребности</a:t>
+              <a:t>Сбор требований </a:t>
             </a:r>
             <a:r>
               <a:rPr lang="ru-RU" sz="2400" dirty="0"/>
-              <a:t> определяются на основе наиболее актуальных проблем и задач, которые пользователи и заказчики видят перед собой. При этом требуется аккуратное выявление значимых проблем, определение того, насколько хорошо они решаются при текущем положении дел, и расстановка приоритетов при рассмотрении недостаточно хорошо решаемых, поскольку чаще всего решить сразу все проблемы невозможно.</a:t>
+              <a:t>— это один из самых важных этапов процесса создания любой информационной системы, будь то десктопное, веб или мобильное приложение или же просто доработка уже существующего решения. Прежде, чем начать собирать требования, необходимо выявить всех заинтересованных лиц (стейкхолдеров), которые будут пользоваться системой. </a:t>
+            </a:r>
+          </a:p>
+          <a:p>
+            <a:r>
+              <a:rPr lang="ru-RU" sz="2400" dirty="0"/>
+              <a:t>Следом собирается информация о потребностях заинтересованных лиц.</a:t>
+            </a:r>
+          </a:p>
+          <a:p>
+            <a:r>
+              <a:rPr lang="ru-RU" sz="2400" dirty="0"/>
+              <a:t>Основные способы сбора информации: </a:t>
+            </a:r>
+            <a:r>
+              <a:rPr lang="ru-RU" sz="2400" b="1" dirty="0"/>
+              <a:t>анкетирование </a:t>
+            </a:r>
+            <a:r>
+              <a:rPr lang="ru-RU" sz="2400" dirty="0"/>
+              <a:t>и </a:t>
+            </a:r>
+            <a:r>
+              <a:rPr lang="ru-RU" sz="2400" b="1" dirty="0"/>
+              <a:t>интервью</a:t>
             </a:r>
           </a:p>
         </p:txBody>
@@ -8434,7 +8348,7 @@
           <p:cNvPr id="4" name="Номер слайда 3">
             <a:extLst>
               <a:ext uri="{FF2B5EF4-FFF2-40B4-BE49-F238E27FC236}">
-                <a16:creationId xmlns:a16="http://schemas.microsoft.com/office/drawing/2014/main" id="{DE734F14-EDA0-40EC-FCFD-0449047373E3}"/>
+                <a16:creationId xmlns:a16="http://schemas.microsoft.com/office/drawing/2014/main" id="{F36415B6-84AF-E0BA-DC45-885DEB3D9698}"/>
               </a:ext>
             </a:extLst>
           </p:cNvPr>
@@ -8461,7 +8375,7 @@
     </p:spTree>
     <p:extLst>
       <p:ext uri="{BB962C8B-B14F-4D97-AF65-F5344CB8AC3E}">
-        <p14:creationId xmlns:p14="http://schemas.microsoft.com/office/powerpoint/2010/main" val="1636124141"/>
+        <p14:creationId xmlns:p14="http://schemas.microsoft.com/office/powerpoint/2010/main" val="432158552"/>
       </p:ext>
     </p:extLst>
   </p:cSld>
@@ -8490,7 +8404,13 @@
       </p:grpSpPr>
       <p:sp>
         <p:nvSpPr>
-          <p:cNvPr id="2" name="Заголовок 1"/>
+          <p:cNvPr id="2" name="Заголовок 1">
+            <a:extLst>
+              <a:ext uri="{FF2B5EF4-FFF2-40B4-BE49-F238E27FC236}">
+                <a16:creationId xmlns:a16="http://schemas.microsoft.com/office/drawing/2014/main" id="{CDE614F5-B8EC-6428-9A1A-7E4645E8D4DC}"/>
+              </a:ext>
+            </a:extLst>
+          </p:cNvPr>
           <p:cNvSpPr>
             <a:spLocks noGrp="1"/>
           </p:cNvSpPr>
@@ -8505,19 +8425,53 @@
           <a:p>
             <a:r>
               <a:rPr lang="ru-RU" dirty="0"/>
-              <a:t>Формулировка потребностей</a:t>
-            </a:r>
-          </a:p>
-        </p:txBody>
-      </p:sp>
-      <p:sp>
-        <p:nvSpPr>
-          <p:cNvPr id="3" name="Объект 2"/>
-          <p:cNvSpPr>
-            <a:spLocks noGrp="1"/>
-          </p:cNvSpPr>
-          <p:nvPr>
-            <p:ph idx="1"/>
+              <a:t>Анкетирование</a:t>
+            </a:r>
+          </a:p>
+        </p:txBody>
+      </p:sp>
+      <p:sp>
+        <p:nvSpPr>
+          <p:cNvPr id="5" name="Текст 4">
+            <a:extLst>
+              <a:ext uri="{FF2B5EF4-FFF2-40B4-BE49-F238E27FC236}">
+                <a16:creationId xmlns:a16="http://schemas.microsoft.com/office/drawing/2014/main" id="{23DE597A-6EEE-01D1-06CD-F56F8461BFD7}"/>
+              </a:ext>
+            </a:extLst>
+          </p:cNvPr>
+          <p:cNvSpPr>
+            <a:spLocks noGrp="1"/>
+          </p:cNvSpPr>
+          <p:nvPr>
+            <p:ph type="body" idx="1"/>
+          </p:nvPr>
+        </p:nvSpPr>
+        <p:spPr/>
+        <p:txBody>
+          <a:bodyPr/>
+          <a:lstStyle/>
+          <a:p>
+            <a:r>
+              <a:rPr lang="ru-RU" dirty="0"/>
+              <a:t>Плюсы</a:t>
+            </a:r>
+          </a:p>
+        </p:txBody>
+      </p:sp>
+      <p:sp>
+        <p:nvSpPr>
+          <p:cNvPr id="6" name="Объект 5">
+            <a:extLst>
+              <a:ext uri="{FF2B5EF4-FFF2-40B4-BE49-F238E27FC236}">
+                <a16:creationId xmlns:a16="http://schemas.microsoft.com/office/drawing/2014/main" id="{7A0F417F-3083-FE9C-ED90-CB417214EFF8}"/>
+              </a:ext>
+            </a:extLst>
+          </p:cNvPr>
+          <p:cNvSpPr>
+            <a:spLocks noGrp="1"/>
+          </p:cNvSpPr>
+          <p:nvPr>
+            <p:ph sz="half" idx="2"/>
           </p:nvPr>
         </p:nvSpPr>
         <p:spPr/>
@@ -8527,46 +8481,103 @@
           </a:bodyPr>
           <a:lstStyle/>
           <a:p>
+            <a:pPr marL="342900" indent="-342900">
+              <a:buFont typeface="Wingdings" panose="05000000000000000000" pitchFamily="2" charset="2"/>
+              <a:buChar char="v"/>
+            </a:pPr>
             <a:r>
               <a:rPr lang="ru-RU" sz="2400" dirty="0"/>
-              <a:t>Формулировка потребностей может быть разбита на следующие этапы:</a:t>
-            </a:r>
-          </a:p>
-          <a:p>
-            <a:pPr marL="457200" indent="-457200">
-              <a:buFont typeface="+mj-lt"/>
-              <a:buAutoNum type="arabicPeriod"/>
+              <a:t>Высокая скорость получения результатов.</a:t>
+            </a:r>
+          </a:p>
+          <a:p>
+            <a:pPr marL="342900" indent="-342900">
+              <a:buFont typeface="Wingdings" panose="05000000000000000000" pitchFamily="2" charset="2"/>
+              <a:buChar char="v"/>
             </a:pPr>
             <a:r>
               <a:rPr lang="ru-RU" sz="2400" dirty="0"/>
-              <a:t>Выделить одну-две-три основных проблемы.</a:t>
-            </a:r>
-          </a:p>
-          <a:p>
-            <a:pPr marL="457200" indent="-457200">
-              <a:buFont typeface="+mj-lt"/>
-              <a:buAutoNum type="arabicPeriod"/>
+              <a:t>Сравнительно небольшие материальные затраты.</a:t>
+            </a:r>
+          </a:p>
+        </p:txBody>
+      </p:sp>
+      <p:sp>
+        <p:nvSpPr>
+          <p:cNvPr id="7" name="Текст 6">
+            <a:extLst>
+              <a:ext uri="{FF2B5EF4-FFF2-40B4-BE49-F238E27FC236}">
+                <a16:creationId xmlns:a16="http://schemas.microsoft.com/office/drawing/2014/main" id="{8CC42094-DD3E-BF78-D5EA-0D8136CE75E7}"/>
+              </a:ext>
+            </a:extLst>
+          </p:cNvPr>
+          <p:cNvSpPr>
+            <a:spLocks noGrp="1"/>
+          </p:cNvSpPr>
+          <p:nvPr>
+            <p:ph type="body" sz="quarter" idx="3"/>
+          </p:nvPr>
+        </p:nvSpPr>
+        <p:spPr/>
+        <p:txBody>
+          <a:bodyPr/>
+          <a:lstStyle/>
+          <a:p>
+            <a:r>
+              <a:rPr lang="ru-RU" dirty="0"/>
+              <a:t>Минусы</a:t>
+            </a:r>
+          </a:p>
+        </p:txBody>
+      </p:sp>
+      <p:sp>
+        <p:nvSpPr>
+          <p:cNvPr id="8" name="Объект 7">
+            <a:extLst>
+              <a:ext uri="{FF2B5EF4-FFF2-40B4-BE49-F238E27FC236}">
+                <a16:creationId xmlns:a16="http://schemas.microsoft.com/office/drawing/2014/main" id="{8F840ECD-5D81-2EF8-1DB2-B78ADECDD25A}"/>
+              </a:ext>
+            </a:extLst>
+          </p:cNvPr>
+          <p:cNvSpPr>
+            <a:spLocks noGrp="1"/>
+          </p:cNvSpPr>
+          <p:nvPr>
+            <p:ph sz="quarter" idx="4"/>
+          </p:nvPr>
+        </p:nvSpPr>
+        <p:spPr/>
+        <p:txBody>
+          <a:bodyPr>
+            <a:normAutofit/>
+          </a:bodyPr>
+          <a:lstStyle/>
+          <a:p>
+            <a:pPr marL="342900" indent="-342900">
+              <a:buFont typeface="Wingdings" panose="05000000000000000000" pitchFamily="2" charset="2"/>
+              <a:buChar char="v"/>
             </a:pPr>
             <a:r>
               <a:rPr lang="ru-RU" sz="2400" dirty="0"/>
-              <a:t>Определить причины возникновения проблем, оценить степень их влияния и выделить наиболее существенные из проблем, влекущие появление остальных.</a:t>
-            </a:r>
-          </a:p>
-          <a:p>
-            <a:pPr marL="457200" indent="-457200">
-              <a:buFont typeface="+mj-lt"/>
-              <a:buAutoNum type="arabicPeriod"/>
+              <a:t>Данный метод не подходит для выявления неявных требований.</a:t>
+            </a:r>
+          </a:p>
+          <a:p>
+            <a:pPr marL="342900" indent="-342900">
+              <a:buFont typeface="Wingdings" panose="05000000000000000000" pitchFamily="2" charset="2"/>
+              <a:buChar char="v"/>
             </a:pPr>
             <a:r>
               <a:rPr lang="ru-RU" sz="2400" dirty="0"/>
-              <a:t>Определить ограничения на возможные решения.</a:t>
-            </a:r>
-          </a:p>
-          <a:p>
-            <a:r>
-              <a:rPr lang="ru-RU" sz="2400" dirty="0"/>
-              <a:t>Формулировка потребностей не должна накладывать лишних ограничений на возможные решения, удовлетворяющие им. Нужно попытаться сформулировать, что именно является проблемой, а не предлагать сразу возможные решения.</a:t>
-            </a:r>
+              <a:t>При составлении опросника физически невозможно учесть все необходимые вопросы.</a:t>
+            </a:r>
+          </a:p>
+          <a:p>
+            <a:pPr marL="342900" indent="-342900">
+              <a:buFont typeface="Wingdings" panose="05000000000000000000" pitchFamily="2" charset="2"/>
+              <a:buChar char="v"/>
+            </a:pPr>
+            <a:endParaRPr lang="ru-RU" sz="2400" dirty="0"/>
           </a:p>
         </p:txBody>
       </p:sp>
@@ -8575,7 +8586,7 @@
           <p:cNvPr id="4" name="Номер слайда 3">
             <a:extLst>
               <a:ext uri="{FF2B5EF4-FFF2-40B4-BE49-F238E27FC236}">
-                <a16:creationId xmlns:a16="http://schemas.microsoft.com/office/drawing/2014/main" id="{BF22601E-B4DE-10F7-C602-BCC098A23869}"/>
+                <a16:creationId xmlns:a16="http://schemas.microsoft.com/office/drawing/2014/main" id="{6610B05F-0A8F-8EC1-5CE0-8FDDBEB410FD}"/>
               </a:ext>
             </a:extLst>
           </p:cNvPr>
@@ -8602,7 +8613,7 @@
     </p:spTree>
     <p:extLst>
       <p:ext uri="{BB962C8B-B14F-4D97-AF65-F5344CB8AC3E}">
-        <p14:creationId xmlns:p14="http://schemas.microsoft.com/office/powerpoint/2010/main" val="2699648141"/>
+        <p14:creationId xmlns:p14="http://schemas.microsoft.com/office/powerpoint/2010/main" val="1369358526"/>
       </p:ext>
     </p:extLst>
   </p:cSld>
